--- a/docs/architecture-styles-worksheet.pptx
+++ b/docs/architecture-styles-worksheet.pptx
@@ -310,6 +310,22 @@
       </a:defRPr>
     </a:lvl9pPr>
   </p:defaultTextStyle>
+  <p:extLst>
+    <p:ext uri="{EFAFB233-063F-42B5-8137-9DF3F51BA10A}">
+      <p15:sldGuideLst xmlns:p15="http://schemas.microsoft.com/office/powerpoint/2012/main">
+        <p15:guide id="1" orient="horz" pos="4320">
+          <p15:clr>
+            <a:srgbClr val="A4A3A4"/>
+          </p15:clr>
+        </p15:guide>
+        <p15:guide id="2" pos="7680">
+          <p15:clr>
+            <a:srgbClr val="A4A3A4"/>
+          </p15:clr>
+        </p15:guide>
+      </p15:sldGuideLst>
+    </p:ext>
+  </p:extLst>
 </p:presentation>
 </file>
 
@@ -672,7 +688,7 @@
   <p:clrMapOvr>
     <a:masterClrMapping/>
   </p:clrMapOvr>
-  <p:transition xmlns:p14="http://schemas.microsoft.com/office/powerpoint/2010/main" spd="med"/>
+  <p:transition spd="med"/>
 </p:sldLayout>
 </file>
 
@@ -809,7 +825,7 @@
   <p:clrMapOvr>
     <a:masterClrMapping/>
   </p:clrMapOvr>
-  <p:transition xmlns:p14="http://schemas.microsoft.com/office/powerpoint/2010/main" spd="med"/>
+  <p:transition spd="med"/>
 </p:sldLayout>
 </file>
 
@@ -890,7 +906,7 @@
   <p:clrMapOvr>
     <a:masterClrMapping/>
   </p:clrMapOvr>
-  <p:transition xmlns:p14="http://schemas.microsoft.com/office/powerpoint/2010/main" spd="med"/>
+  <p:transition spd="med"/>
 </p:sldLayout>
 </file>
 
@@ -942,7 +958,7 @@
   <p:clrMapOvr>
     <a:masterClrMapping/>
   </p:clrMapOvr>
-  <p:transition xmlns:p14="http://schemas.microsoft.com/office/powerpoint/2010/main" spd="med"/>
+  <p:transition spd="med"/>
 </p:sldLayout>
 </file>
 
@@ -1053,7 +1069,7 @@
   <p:clrMapOvr>
     <a:masterClrMapping/>
   </p:clrMapOvr>
-  <p:transition xmlns:p14="http://schemas.microsoft.com/office/powerpoint/2010/main" spd="med"/>
+  <p:transition spd="med"/>
 </p:sldLayout>
 </file>
 
@@ -1257,7 +1273,7 @@
   <p:clrMapOvr>
     <a:masterClrMapping/>
   </p:clrMapOvr>
-  <p:transition xmlns:p14="http://schemas.microsoft.com/office/powerpoint/2010/main" spd="med"/>
+  <p:transition spd="med"/>
 </p:sldLayout>
 </file>
 
@@ -1338,7 +1354,7 @@
   <p:clrMapOvr>
     <a:masterClrMapping/>
   </p:clrMapOvr>
-  <p:transition xmlns:p14="http://schemas.microsoft.com/office/powerpoint/2010/main" spd="med"/>
+  <p:transition spd="med"/>
 </p:sldLayout>
 </file>
 
@@ -1546,7 +1562,7 @@
   <p:clrMapOvr>
     <a:masterClrMapping/>
   </p:clrMapOvr>
-  <p:transition xmlns:p14="http://schemas.microsoft.com/office/powerpoint/2010/main" spd="med"/>
+  <p:transition spd="med"/>
 </p:sldLayout>
 </file>
 
@@ -1623,7 +1639,7 @@
   <p:clrMapOvr>
     <a:masterClrMapping/>
   </p:clrMapOvr>
-  <p:transition xmlns:p14="http://schemas.microsoft.com/office/powerpoint/2010/main" spd="med"/>
+  <p:transition spd="med"/>
 </p:sldLayout>
 </file>
 
@@ -1765,7 +1781,7 @@
   <p:clrMapOvr>
     <a:masterClrMapping/>
   </p:clrMapOvr>
-  <p:transition xmlns:p14="http://schemas.microsoft.com/office/powerpoint/2010/main" spd="med"/>
+  <p:transition spd="med"/>
 </p:sldLayout>
 </file>
 
@@ -1955,7 +1971,7 @@
   <p:clrMapOvr>
     <a:masterClrMapping/>
   </p:clrMapOvr>
-  <p:transition xmlns:p14="http://schemas.microsoft.com/office/powerpoint/2010/main" spd="med"/>
+  <p:transition spd="med"/>
 </p:sldLayout>
 </file>
 
@@ -2076,7 +2092,7 @@
   <p:clrMapOvr>
     <a:masterClrMapping/>
   </p:clrMapOvr>
-  <p:transition xmlns:p14="http://schemas.microsoft.com/office/powerpoint/2010/main" spd="med"/>
+  <p:transition spd="med"/>
 </p:sldLayout>
 </file>
 
@@ -2215,7 +2231,7 @@
   <p:clrMapOvr>
     <a:masterClrMapping/>
   </p:clrMapOvr>
-  <p:transition xmlns:p14="http://schemas.microsoft.com/office/powerpoint/2010/main" spd="med"/>
+  <p:transition spd="med"/>
 </p:sldLayout>
 </file>
 
@@ -2267,7 +2283,7 @@
           </a:ln>
           <a:extLst>
             <a:ext uri="{C572A759-6A51-4108-AA02-DFA0A04FC94B}">
-              <ma14:wrappingTextBoxFlag xmlns:ma14="http://schemas.microsoft.com/office/mac/drawingml/2011/main" val="1"/>
+              <ma14:wrappingTextBoxFlag xmlns:ma14="http://schemas.microsoft.com/office/mac/drawingml/2011/main" xmlns="" val="1"/>
             </a:ext>
           </a:extLst>
         </p:spPr>
@@ -2306,7 +2322,7 @@
           </a:ln>
           <a:extLst>
             <a:ext uri="{C572A759-6A51-4108-AA02-DFA0A04FC94B}">
-              <ma14:wrappingTextBoxFlag xmlns:ma14="http://schemas.microsoft.com/office/mac/drawingml/2011/main" val="1"/>
+              <ma14:wrappingTextBoxFlag xmlns:ma14="http://schemas.microsoft.com/office/mac/drawingml/2011/main" xmlns="" val="1"/>
             </a:ext>
           </a:extLst>
         </p:spPr>
@@ -2408,7 +2424,7 @@
     <p:sldLayoutId id="2147483660" r:id="rId12"/>
     <p:sldLayoutId id="2147483661" r:id="rId13"/>
   </p:sldLayoutIdLst>
-  <p:transition xmlns:p14="http://schemas.microsoft.com/office/powerpoint/2010/main" spd="med"/>
+  <p:transition spd="med"/>
   <p:txStyles>
     <p:titleStyle>
       <a:lvl1pPr marL="0" marR="0" indent="0" algn="ctr" defTabSz="825500" rtl="0" latinLnBrk="0">
@@ -3229,9 +3245,7 @@
           <p:nvPr/>
         </p:nvPicPr>
         <p:blipFill>
-          <a:blip r:embed="rId2">
-            <a:extLst/>
-          </a:blip>
+          <a:blip r:embed="rId2"/>
           <a:stretch>
             <a:fillRect/>
           </a:stretch>
@@ -3249,7 +3263,7 @@
       </p:pic>
       <p:pic>
         <p:nvPicPr>
-          <p:cNvPr id="206" name="Image" descr="Image"/>
+          <p:cNvPr id="206" name="Image"/>
           <p:cNvPicPr>
             <a:picLocks noChangeAspect="1"/>
           </p:cNvPicPr>
@@ -3257,16 +3271,19 @@
         </p:nvPicPr>
         <p:blipFill>
           <a:blip r:embed="rId3">
-            <a:extLst/>
+            <a:extLst>
+              <a:ext uri="{28A0092B-C50C-407E-A947-70E740481C1C}">
+                <a14:useLocalDpi xmlns:a14="http://schemas.microsoft.com/office/drawing/2010/main" val="0"/>
+              </a:ext>
+            </a:extLst>
           </a:blip>
-          <a:stretch>
-            <a:fillRect/>
-          </a:stretch>
+          <a:srcRect/>
+          <a:stretch/>
         </p:blipFill>
         <p:spPr>
           <a:xfrm>
-            <a:off x="2656066" y="3875824"/>
-            <a:ext cx="19307402" cy="9103899"/>
+            <a:off x="2656066" y="3877015"/>
+            <a:ext cx="19307402" cy="9101516"/>
           </a:xfrm>
           <a:prstGeom prst="rect">
             <a:avLst/>
@@ -3295,7 +3312,7 @@
           </a:ln>
           <a:extLst>
             <a:ext uri="{C572A759-6A51-4108-AA02-DFA0A04FC94B}">
-              <ma14:wrappingTextBoxFlag xmlns:ma14="http://schemas.microsoft.com/office/mac/drawingml/2011/main" val="1"/>
+              <ma14:wrappingTextBoxFlag xmlns:ma14="http://schemas.microsoft.com/office/mac/drawingml/2011/main" xmlns="" val="1"/>
             </a:ext>
           </a:extLst>
         </p:spPr>
@@ -3328,9 +3345,7 @@
           <p:nvPr/>
         </p:nvPicPr>
         <p:blipFill>
-          <a:blip r:embed="rId2">
-            <a:extLst/>
-          </a:blip>
+          <a:blip r:embed="rId2"/>
           <a:stretch>
             <a:fillRect/>
           </a:stretch>
@@ -3365,7 +3380,7 @@
           </a:ln>
           <a:extLst>
             <a:ext uri="{C572A759-6A51-4108-AA02-DFA0A04FC94B}">
-              <ma14:wrappingTextBoxFlag xmlns:ma14="http://schemas.microsoft.com/office/mac/drawingml/2011/main" val="1"/>
+              <ma14:wrappingTextBoxFlag xmlns:ma14="http://schemas.microsoft.com/office/mac/drawingml/2011/main" xmlns="" val="1"/>
             </a:ext>
           </a:extLst>
         </p:spPr>
@@ -3412,7 +3427,7 @@
           </a:ln>
           <a:extLst>
             <a:ext uri="{C572A759-6A51-4108-AA02-DFA0A04FC94B}">
-              <ma14:wrappingTextBoxFlag xmlns:ma14="http://schemas.microsoft.com/office/mac/drawingml/2011/main" val="1"/>
+              <ma14:wrappingTextBoxFlag xmlns:ma14="http://schemas.microsoft.com/office/mac/drawingml/2011/main" xmlns="" val="1"/>
             </a:ext>
           </a:extLst>
         </p:spPr>
@@ -3499,7 +3514,7 @@
           </a:ln>
           <a:extLst>
             <a:ext uri="{C572A759-6A51-4108-AA02-DFA0A04FC94B}">
-              <ma14:wrappingTextBoxFlag xmlns:ma14="http://schemas.microsoft.com/office/mac/drawingml/2011/main" val="1"/>
+              <ma14:wrappingTextBoxFlag xmlns:ma14="http://schemas.microsoft.com/office/mac/drawingml/2011/main" xmlns="" val="1"/>
             </a:ext>
           </a:extLst>
         </p:spPr>
@@ -3586,7 +3601,7 @@
           </a:ln>
           <a:extLst>
             <a:ext uri="{C572A759-6A51-4108-AA02-DFA0A04FC94B}">
-              <ma14:wrappingTextBoxFlag xmlns:ma14="http://schemas.microsoft.com/office/mac/drawingml/2011/main" val="1"/>
+              <ma14:wrappingTextBoxFlag xmlns:ma14="http://schemas.microsoft.com/office/mac/drawingml/2011/main" xmlns="" val="1"/>
             </a:ext>
           </a:extLst>
         </p:spPr>
@@ -3822,7 +3837,19 @@
                 <a:sym typeface="Helvetica Neue Medium"/>
               </a:defRPr>
             </a:pPr>
-            <a:endParaRPr/>
+            <a:r>
+              <a:rPr lang="en-GB" sz="1600" dirty="0">
+                <a:solidFill>
+                  <a:schemeClr val="tx1"/>
+                </a:solidFill>
+              </a:rPr>
+              <a:t>X</a:t>
+            </a:r>
+            <a:endParaRPr sz="1600" dirty="0">
+              <a:solidFill>
+                <a:schemeClr val="tx1"/>
+              </a:solidFill>
+            </a:endParaRPr>
           </a:p>
         </p:txBody>
       </p:sp>
@@ -3871,49 +3898,6 @@
       </p:sp>
       <p:sp>
         <p:nvSpPr>
-          <p:cNvPr id="221" name="Rectangle"/>
-          <p:cNvSpPr/>
-          <p:nvPr/>
-        </p:nvSpPr>
-        <p:spPr>
-          <a:xfrm>
-            <a:off x="16338201" y="3418803"/>
-            <a:ext cx="472792" cy="478989"/>
-          </a:xfrm>
-          <a:prstGeom prst="rect">
-            <a:avLst/>
-          </a:prstGeom>
-          <a:solidFill>
-            <a:srgbClr val="FFFFFF"/>
-          </a:solidFill>
-          <a:ln w="12700">
-            <a:solidFill>
-              <a:srgbClr val="000000"/>
-            </a:solidFill>
-            <a:miter lim="400000"/>
-          </a:ln>
-        </p:spPr>
-        <p:txBody>
-          <a:bodyPr lIns="0" tIns="0" rIns="0" bIns="0" anchor="ctr"/>
-          <a:lstStyle/>
-          <a:p>
-            <a:pPr>
-              <a:defRPr sz="3200" b="0">
-                <a:solidFill>
-                  <a:srgbClr val="FFFFFF"/>
-                </a:solidFill>
-                <a:latin typeface="+mn-lt"/>
-                <a:ea typeface="+mn-ea"/>
-                <a:cs typeface="+mn-cs"/>
-                <a:sym typeface="Helvetica Neue Medium"/>
-              </a:defRPr>
-            </a:pPr>
-            <a:endParaRPr/>
-          </a:p>
-        </p:txBody>
-      </p:sp>
-      <p:sp>
-        <p:nvSpPr>
           <p:cNvPr id="222" name="Rectangle"/>
           <p:cNvSpPr/>
           <p:nvPr/>
@@ -3951,7 +3935,19 @@
                 <a:sym typeface="Helvetica Neue Medium"/>
               </a:defRPr>
             </a:pPr>
-            <a:endParaRPr/>
+            <a:r>
+              <a:rPr lang="en-GB" sz="2000" dirty="0">
+                <a:solidFill>
+                  <a:srgbClr val="FF0000"/>
+                </a:solidFill>
+              </a:rPr>
+              <a:t>V</a:t>
+            </a:r>
+            <a:endParaRPr sz="2000" dirty="0">
+              <a:solidFill>
+                <a:srgbClr val="FF0000"/>
+              </a:solidFill>
+            </a:endParaRPr>
           </a:p>
         </p:txBody>
       </p:sp>
@@ -4017,7 +4013,7 @@
           </a:ln>
           <a:extLst>
             <a:ext uri="{C572A759-6A51-4108-AA02-DFA0A04FC94B}">
-              <ma14:wrappingTextBoxFlag xmlns:ma14="http://schemas.microsoft.com/office/mac/drawingml/2011/main" val="1"/>
+              <ma14:wrappingTextBoxFlag xmlns:ma14="http://schemas.microsoft.com/office/mac/drawingml/2011/main" xmlns="" val="1"/>
             </a:ext>
           </a:extLst>
         </p:spPr>
@@ -4041,6 +4037,67 @@
           </a:p>
         </p:txBody>
       </p:sp>
+      <p:sp>
+        <p:nvSpPr>
+          <p:cNvPr id="2" name="Rectangle">
+            <a:extLst>
+              <a:ext uri="{FF2B5EF4-FFF2-40B4-BE49-F238E27FC236}">
+                <a16:creationId xmlns:a16="http://schemas.microsoft.com/office/drawing/2014/main" id="{C061842A-6C1F-444F-D9DF-C515B1717C68}"/>
+              </a:ext>
+            </a:extLst>
+          </p:cNvPr>
+          <p:cNvSpPr/>
+          <p:nvPr/>
+        </p:nvSpPr>
+        <p:spPr>
+          <a:xfrm>
+            <a:off x="16403609" y="3401779"/>
+            <a:ext cx="472792" cy="478989"/>
+          </a:xfrm>
+          <a:prstGeom prst="rect">
+            <a:avLst/>
+          </a:prstGeom>
+          <a:solidFill>
+            <a:srgbClr val="FFFFFF"/>
+          </a:solidFill>
+          <a:ln w="12700">
+            <a:solidFill>
+              <a:srgbClr val="000000"/>
+            </a:solidFill>
+            <a:miter lim="400000"/>
+          </a:ln>
+        </p:spPr>
+        <p:txBody>
+          <a:bodyPr lIns="0" tIns="0" rIns="0" bIns="0" anchor="ctr"/>
+          <a:lstStyle/>
+          <a:p>
+            <a:pPr>
+              <a:defRPr sz="3200" b="0">
+                <a:solidFill>
+                  <a:srgbClr val="FFFFFF"/>
+                </a:solidFill>
+                <a:latin typeface="+mn-lt"/>
+                <a:ea typeface="+mn-ea"/>
+                <a:cs typeface="+mn-cs"/>
+                <a:sym typeface="Helvetica Neue Medium"/>
+              </a:defRPr>
+            </a:pPr>
+            <a:r>
+              <a:rPr lang="en-GB" sz="1600" dirty="0">
+                <a:solidFill>
+                  <a:schemeClr val="tx1"/>
+                </a:solidFill>
+              </a:rPr>
+              <a:t>X</a:t>
+            </a:r>
+            <a:endParaRPr sz="1600" dirty="0">
+              <a:solidFill>
+                <a:schemeClr val="tx1"/>
+              </a:solidFill>
+            </a:endParaRPr>
+          </a:p>
+        </p:txBody>
+      </p:sp>
     </p:spTree>
   </p:cSld>
   <p:clrMapOvr>
@@ -4052,7 +4109,7 @@
         <p:dissolve/>
       </p:transition>
     </mc:Choice>
-    <mc:Fallback xmlns="" xmlns:m="http://schemas.openxmlformats.org/officeDocument/2006/math" xmlns:a14="http://schemas.microsoft.com/office/drawing/2010/main">
+    <mc:Fallback xmlns:a14="http://schemas.microsoft.com/office/drawing/2010/main" xmlns:m="http://schemas.openxmlformats.org/officeDocument/2006/math" xmlns="">
       <p:transition spd="slow">
         <p:fade/>
       </p:transition>
